--- a/Unit 1 Measurement Skills/Day 6 Variables And Relationships/Lab Practice Activities.pptx
+++ b/Unit 1 Measurement Skills/Day 6 Variables And Relationships/Lab Practice Activities.pptx
@@ -6,10 +6,12 @@
   </p:sldMasterIdLst>
   <p:sldIdLst>
     <p:sldId id="256" r:id="rId2"/>
-    <p:sldId id="257" r:id="rId3"/>
-    <p:sldId id="258" r:id="rId4"/>
-    <p:sldId id="260" r:id="rId5"/>
-    <p:sldId id="259" r:id="rId6"/>
+    <p:sldId id="261" r:id="rId3"/>
+    <p:sldId id="260" r:id="rId4"/>
+    <p:sldId id="262" r:id="rId5"/>
+    <p:sldId id="257" r:id="rId6"/>
+    <p:sldId id="259" r:id="rId7"/>
+    <p:sldId id="258" r:id="rId8"/>
   </p:sldIdLst>
   <p:sldSz cx="9144000" cy="6858000" type="screen4x3"/>
   <p:notesSz cx="6858000" cy="9144000"/>
@@ -309,7 +311,7 @@
             <a:fld id="{1D8BD707-D9CF-40AE-B4C6-C98DA3205C09}" type="datetimeFigureOut">
               <a:rPr lang="en-US" smtClean="0"/>
               <a:pPr/>
-              <a:t>9/16/2019</a:t>
+              <a:t>2/11/2020</a:t>
             </a:fld>
             <a:endParaRPr lang="en-US"/>
           </a:p>
@@ -476,7 +478,7 @@
             <a:fld id="{1D8BD707-D9CF-40AE-B4C6-C98DA3205C09}" type="datetimeFigureOut">
               <a:rPr lang="en-US" smtClean="0"/>
               <a:pPr/>
-              <a:t>9/16/2019</a:t>
+              <a:t>2/11/2020</a:t>
             </a:fld>
             <a:endParaRPr lang="en-US"/>
           </a:p>
@@ -653,7 +655,7 @@
             <a:fld id="{1D8BD707-D9CF-40AE-B4C6-C98DA3205C09}" type="datetimeFigureOut">
               <a:rPr lang="en-US" smtClean="0"/>
               <a:pPr/>
-              <a:t>9/16/2019</a:t>
+              <a:t>2/11/2020</a:t>
             </a:fld>
             <a:endParaRPr lang="en-US"/>
           </a:p>
@@ -820,7 +822,7 @@
             <a:fld id="{1D8BD707-D9CF-40AE-B4C6-C98DA3205C09}" type="datetimeFigureOut">
               <a:rPr lang="en-US" smtClean="0"/>
               <a:pPr/>
-              <a:t>9/16/2019</a:t>
+              <a:t>2/11/2020</a:t>
             </a:fld>
             <a:endParaRPr lang="en-US"/>
           </a:p>
@@ -1063,7 +1065,7 @@
             <a:fld id="{1D8BD707-D9CF-40AE-B4C6-C98DA3205C09}" type="datetimeFigureOut">
               <a:rPr lang="en-US" smtClean="0"/>
               <a:pPr/>
-              <a:t>9/16/2019</a:t>
+              <a:t>2/11/2020</a:t>
             </a:fld>
             <a:endParaRPr lang="en-US"/>
           </a:p>
@@ -1348,7 +1350,7 @@
             <a:fld id="{1D8BD707-D9CF-40AE-B4C6-C98DA3205C09}" type="datetimeFigureOut">
               <a:rPr lang="en-US" smtClean="0"/>
               <a:pPr/>
-              <a:t>9/16/2019</a:t>
+              <a:t>2/11/2020</a:t>
             </a:fld>
             <a:endParaRPr lang="en-US"/>
           </a:p>
@@ -1767,7 +1769,7 @@
             <a:fld id="{1D8BD707-D9CF-40AE-B4C6-C98DA3205C09}" type="datetimeFigureOut">
               <a:rPr lang="en-US" smtClean="0"/>
               <a:pPr/>
-              <a:t>9/16/2019</a:t>
+              <a:t>2/11/2020</a:t>
             </a:fld>
             <a:endParaRPr lang="en-US"/>
           </a:p>
@@ -1882,7 +1884,7 @@
             <a:fld id="{1D8BD707-D9CF-40AE-B4C6-C98DA3205C09}" type="datetimeFigureOut">
               <a:rPr lang="en-US" smtClean="0"/>
               <a:pPr/>
-              <a:t>9/16/2019</a:t>
+              <a:t>2/11/2020</a:t>
             </a:fld>
             <a:endParaRPr lang="en-US"/>
           </a:p>
@@ -1974,7 +1976,7 @@
             <a:fld id="{1D8BD707-D9CF-40AE-B4C6-C98DA3205C09}" type="datetimeFigureOut">
               <a:rPr lang="en-US" smtClean="0"/>
               <a:pPr/>
-              <a:t>9/16/2019</a:t>
+              <a:t>2/11/2020</a:t>
             </a:fld>
             <a:endParaRPr lang="en-US"/>
           </a:p>
@@ -2248,7 +2250,7 @@
             <a:fld id="{1D8BD707-D9CF-40AE-B4C6-C98DA3205C09}" type="datetimeFigureOut">
               <a:rPr lang="en-US" smtClean="0"/>
               <a:pPr/>
-              <a:t>9/16/2019</a:t>
+              <a:t>2/11/2020</a:t>
             </a:fld>
             <a:endParaRPr lang="en-US"/>
           </a:p>
@@ -2498,7 +2500,7 @@
             <a:fld id="{1D8BD707-D9CF-40AE-B4C6-C98DA3205C09}" type="datetimeFigureOut">
               <a:rPr lang="en-US" smtClean="0"/>
               <a:pPr/>
-              <a:t>9/16/2019</a:t>
+              <a:t>2/11/2020</a:t>
             </a:fld>
             <a:endParaRPr lang="en-US"/>
           </a:p>
@@ -2708,7 +2710,7 @@
             <a:fld id="{1D8BD707-D9CF-40AE-B4C6-C98DA3205C09}" type="datetimeFigureOut">
               <a:rPr lang="en-US" smtClean="0"/>
               <a:pPr/>
-              <a:t>9/16/2019</a:t>
+              <a:t>2/11/2020</a:t>
             </a:fld>
             <a:endParaRPr lang="en-US"/>
           </a:p>
@@ -3186,7 +3188,7 @@
         <p:spPr/>
         <p:txBody>
           <a:bodyPr>
-            <a:normAutofit fontScale="92500" lnSpcReduction="20000"/>
+            <a:normAutofit fontScale="92500"/>
           </a:bodyPr>
           <a:lstStyle/>
           <a:p>
@@ -3196,8 +3198,19 @@
             </a:pPr>
             <a:r>
               <a:rPr lang="en-US" dirty="0" smtClean="0"/>
-              <a:t>Write a procedure for putting on your shoes.</a:t>
-            </a:r>
+              <a:t>The </a:t>
+            </a:r>
+            <a:r>
+              <a:rPr lang="en-US" dirty="0" smtClean="0"/>
+              <a:t>theoretical value calculated for the speed of a rocket is 1260 m/s and the value measured by experiment is 1190 m/s. What is the %error?</a:t>
+            </a:r>
+          </a:p>
+          <a:p>
+            <a:pPr marL="514350" indent="-514350">
+              <a:buFont typeface="+mj-lt"/>
+              <a:buAutoNum type="arabicPeriod"/>
+            </a:pPr>
+            <a:endParaRPr lang="en-CA" dirty="0" smtClean="0"/>
           </a:p>
           <a:p>
             <a:pPr marL="514350" indent="-514350">
@@ -3213,23 +3226,6 @@
             </a:pPr>
             <a:r>
               <a:rPr lang="en-US" dirty="0" smtClean="0"/>
-              <a:t>The theoretical value calculated for the speed of a rocket is 1260 m/s and the value measured by experiment is 1190 m/s. What is the %error?</a:t>
-            </a:r>
-          </a:p>
-          <a:p>
-            <a:pPr marL="514350" indent="-514350">
-              <a:buFont typeface="+mj-lt"/>
-              <a:buAutoNum type="arabicPeriod"/>
-            </a:pPr>
-            <a:endParaRPr lang="en-US" dirty="0" smtClean="0"/>
-          </a:p>
-          <a:p>
-            <a:pPr marL="514350" indent="-514350">
-              <a:buFont typeface="+mj-lt"/>
-              <a:buAutoNum type="arabicPeriod"/>
-            </a:pPr>
-            <a:r>
-              <a:rPr lang="en-US" dirty="0" smtClean="0"/>
               <a:t>Two measurements for the length of a spring were taken. The first measurement was 11.5 cm and the second measurement was 12.2 cm. What is the % difference?</a:t>
             </a:r>
             <a:endParaRPr lang="en-US" dirty="0"/>
@@ -3237,6 +3233,11 @@
         </p:txBody>
       </p:sp>
     </p:spTree>
+    <p:extLst>
+      <p:ext uri="{BB962C8B-B14F-4D97-AF65-F5344CB8AC3E}">
+        <p14:creationId xmlns:p14="http://schemas.microsoft.com/office/powerpoint/2010/main" val="1739794467"/>
+      </p:ext>
+    </p:extLst>
   </p:cSld>
   <p:clrMapOvr>
     <a:masterClrMapping/>
@@ -3310,7 +3311,15 @@
             </a:pPr>
             <a:r>
               <a:rPr lang="en-US" dirty="0" smtClean="0"/>
-              <a:t>For each set of data, quickly sketch the graph and determine the relationship.</a:t>
+              <a:t>For each set of data, </a:t>
+            </a:r>
+            <a:r>
+              <a:rPr lang="en-US" dirty="0" smtClean="0"/>
+              <a:t>draw the </a:t>
+            </a:r>
+            <a:r>
+              <a:rPr lang="en-US" dirty="0" smtClean="0"/>
+              <a:t>graph and determine the relationship.</a:t>
             </a:r>
             <a:endParaRPr lang="en-US" dirty="0"/>
           </a:p>
@@ -3344,14 +3353,14 @@
                 <a:gridCol w="1143000">
                   <a:extLst>
                     <a:ext uri="{9D8B030D-6E8A-4147-A177-3AD203B41FA5}">
-                      <a16:colId xmlns:a16="http://schemas.microsoft.com/office/drawing/2014/main" val="20000"/>
+                      <a16:colId xmlns:a16="http://schemas.microsoft.com/office/drawing/2014/main" xmlns="" val="20000"/>
                     </a:ext>
                   </a:extLst>
                 </a:gridCol>
                 <a:gridCol w="1143000">
                   <a:extLst>
                     <a:ext uri="{9D8B030D-6E8A-4147-A177-3AD203B41FA5}">
-                      <a16:colId xmlns:a16="http://schemas.microsoft.com/office/drawing/2014/main" val="20001"/>
+                      <a16:colId xmlns:a16="http://schemas.microsoft.com/office/drawing/2014/main" xmlns="" val="20001"/>
                     </a:ext>
                   </a:extLst>
                 </a:gridCol>
@@ -3396,7 +3405,7 @@
                 </a:tc>
                 <a:extLst>
                   <a:ext uri="{0D108BD9-81ED-4DB2-BD59-A6C34878D82A}">
-                    <a16:rowId xmlns:a16="http://schemas.microsoft.com/office/drawing/2014/main" val="10000"/>
+                    <a16:rowId xmlns:a16="http://schemas.microsoft.com/office/drawing/2014/main" xmlns="" val="10000"/>
                   </a:ext>
                 </a:extLst>
               </a:tr>
@@ -3433,7 +3442,7 @@
                 </a:tc>
                 <a:extLst>
                   <a:ext uri="{0D108BD9-81ED-4DB2-BD59-A6C34878D82A}">
-                    <a16:rowId xmlns:a16="http://schemas.microsoft.com/office/drawing/2014/main" val="10001"/>
+                    <a16:rowId xmlns:a16="http://schemas.microsoft.com/office/drawing/2014/main" xmlns="" val="10001"/>
                   </a:ext>
                 </a:extLst>
               </a:tr>
@@ -3470,7 +3479,7 @@
                 </a:tc>
                 <a:extLst>
                   <a:ext uri="{0D108BD9-81ED-4DB2-BD59-A6C34878D82A}">
-                    <a16:rowId xmlns:a16="http://schemas.microsoft.com/office/drawing/2014/main" val="10002"/>
+                    <a16:rowId xmlns:a16="http://schemas.microsoft.com/office/drawing/2014/main" xmlns="" val="10002"/>
                   </a:ext>
                 </a:extLst>
               </a:tr>
@@ -3507,7 +3516,7 @@
                 </a:tc>
                 <a:extLst>
                   <a:ext uri="{0D108BD9-81ED-4DB2-BD59-A6C34878D82A}">
-                    <a16:rowId xmlns:a16="http://schemas.microsoft.com/office/drawing/2014/main" val="10003"/>
+                    <a16:rowId xmlns:a16="http://schemas.microsoft.com/office/drawing/2014/main" xmlns="" val="10003"/>
                   </a:ext>
                 </a:extLst>
               </a:tr>
@@ -3544,7 +3553,7 @@
                 </a:tc>
                 <a:extLst>
                   <a:ext uri="{0D108BD9-81ED-4DB2-BD59-A6C34878D82A}">
-                    <a16:rowId xmlns:a16="http://schemas.microsoft.com/office/drawing/2014/main" val="10004"/>
+                    <a16:rowId xmlns:a16="http://schemas.microsoft.com/office/drawing/2014/main" xmlns="" val="10004"/>
                   </a:ext>
                 </a:extLst>
               </a:tr>
@@ -3581,7 +3590,277 @@
                 </a:tc>
                 <a:extLst>
                   <a:ext uri="{0D108BD9-81ED-4DB2-BD59-A6C34878D82A}">
-                    <a16:rowId xmlns:a16="http://schemas.microsoft.com/office/drawing/2014/main" val="10005"/>
+                    <a16:rowId xmlns:a16="http://schemas.microsoft.com/office/drawing/2014/main" xmlns="" val="10005"/>
+                  </a:ext>
+                </a:extLst>
+              </a:tr>
+            </a:tbl>
+          </a:graphicData>
+        </a:graphic>
+      </p:graphicFrame>
+      <p:graphicFrame>
+        <p:nvGraphicFramePr>
+          <p:cNvPr id="5" name="Table 4"/>
+          <p:cNvGraphicFramePr>
+            <a:graphicFrameLocks noGrp="1"/>
+          </p:cNvGraphicFramePr>
+          <p:nvPr>
+            <p:extLst>
+              <p:ext uri="{D42A27DB-BD31-4B8C-83A1-F6EECF244321}">
+                <p14:modId xmlns:p14="http://schemas.microsoft.com/office/powerpoint/2010/main" val="3260111680"/>
+              </p:ext>
+            </p:extLst>
+          </p:nvPr>
+        </p:nvGraphicFramePr>
+        <p:xfrm>
+          <a:off x="5562600" y="3032760"/>
+          <a:ext cx="1905000" cy="2494280"/>
+        </p:xfrm>
+        <a:graphic>
+          <a:graphicData uri="http://schemas.openxmlformats.org/drawingml/2006/table">
+            <a:tbl>
+              <a:tblPr firstRow="1" bandRow="1">
+                <a:tableStyleId>{5940675A-B579-460E-94D1-54222C63F5DA}</a:tableStyleId>
+              </a:tblPr>
+              <a:tblGrid>
+                <a:gridCol w="952500">
+                  <a:extLst>
+                    <a:ext uri="{9D8B030D-6E8A-4147-A177-3AD203B41FA5}">
+                      <a16:colId xmlns:a16="http://schemas.microsoft.com/office/drawing/2014/main" xmlns="" val="20000"/>
+                    </a:ext>
+                  </a:extLst>
+                </a:gridCol>
+                <a:gridCol w="952500">
+                  <a:extLst>
+                    <a:ext uri="{9D8B030D-6E8A-4147-A177-3AD203B41FA5}">
+                      <a16:colId xmlns:a16="http://schemas.microsoft.com/office/drawing/2014/main" xmlns="" val="20001"/>
+                    </a:ext>
+                  </a:extLst>
+                </a:gridCol>
+              </a:tblGrid>
+              <a:tr h="370840">
+                <a:tc>
+                  <a:txBody>
+                    <a:bodyPr/>
+                    <a:lstStyle/>
+                    <a:p>
+                      <a:pPr algn="ctr"/>
+                      <a:r>
+                        <a:rPr lang="en-CA" b="1" dirty="0" smtClean="0"/>
+                        <a:t>Length</a:t>
+                      </a:r>
+                      <a:r>
+                        <a:rPr lang="en-CA" b="1" baseline="0" dirty="0" smtClean="0"/>
+                        <a:t> (cm)</a:t>
+                      </a:r>
+                      <a:endParaRPr lang="en-US" b="1" dirty="0"/>
+                    </a:p>
+                  </a:txBody>
+                  <a:tcPr/>
+                </a:tc>
+                <a:tc>
+                  <a:txBody>
+                    <a:bodyPr/>
+                    <a:lstStyle/>
+                    <a:p>
+                      <a:pPr algn="ctr"/>
+                      <a:r>
+                        <a:rPr lang="en-US" b="1" dirty="0" smtClean="0"/>
+                        <a:t>Force (N)</a:t>
+                      </a:r>
+                      <a:endParaRPr lang="en-US" b="1" dirty="0"/>
+                    </a:p>
+                  </a:txBody>
+                  <a:tcPr/>
+                </a:tc>
+                <a:extLst>
+                  <a:ext uri="{0D108BD9-81ED-4DB2-BD59-A6C34878D82A}">
+                    <a16:rowId xmlns:a16="http://schemas.microsoft.com/office/drawing/2014/main" xmlns="" val="10000"/>
+                  </a:ext>
+                </a:extLst>
+              </a:tr>
+              <a:tr h="370840">
+                <a:tc>
+                  <a:txBody>
+                    <a:bodyPr/>
+                    <a:lstStyle/>
+                    <a:p>
+                      <a:pPr algn="ctr"/>
+                      <a:r>
+                        <a:rPr lang="en-US" dirty="0" smtClean="0"/>
+                        <a:t>1</a:t>
+                      </a:r>
+                      <a:endParaRPr lang="en-US" dirty="0"/>
+                    </a:p>
+                  </a:txBody>
+                  <a:tcPr/>
+                </a:tc>
+                <a:tc>
+                  <a:txBody>
+                    <a:bodyPr/>
+                    <a:lstStyle/>
+                    <a:p>
+                      <a:pPr algn="ctr"/>
+                      <a:r>
+                        <a:rPr lang="en-US" dirty="0" smtClean="0"/>
+                        <a:t>100.0</a:t>
+                      </a:r>
+                      <a:endParaRPr lang="en-US" dirty="0"/>
+                    </a:p>
+                  </a:txBody>
+                  <a:tcPr/>
+                </a:tc>
+                <a:extLst>
+                  <a:ext uri="{0D108BD9-81ED-4DB2-BD59-A6C34878D82A}">
+                    <a16:rowId xmlns:a16="http://schemas.microsoft.com/office/drawing/2014/main" xmlns="" val="10001"/>
+                  </a:ext>
+                </a:extLst>
+              </a:tr>
+              <a:tr h="370840">
+                <a:tc>
+                  <a:txBody>
+                    <a:bodyPr/>
+                    <a:lstStyle/>
+                    <a:p>
+                      <a:pPr algn="ctr"/>
+                      <a:r>
+                        <a:rPr lang="en-US" dirty="0" smtClean="0"/>
+                        <a:t>2</a:t>
+                      </a:r>
+                      <a:endParaRPr lang="en-US" dirty="0"/>
+                    </a:p>
+                  </a:txBody>
+                  <a:tcPr/>
+                </a:tc>
+                <a:tc>
+                  <a:txBody>
+                    <a:bodyPr/>
+                    <a:lstStyle/>
+                    <a:p>
+                      <a:pPr algn="ctr"/>
+                      <a:r>
+                        <a:rPr lang="en-US" dirty="0" smtClean="0"/>
+                        <a:t>25.0</a:t>
+                      </a:r>
+                      <a:endParaRPr lang="en-US" dirty="0"/>
+                    </a:p>
+                  </a:txBody>
+                  <a:tcPr/>
+                </a:tc>
+                <a:extLst>
+                  <a:ext uri="{0D108BD9-81ED-4DB2-BD59-A6C34878D82A}">
+                    <a16:rowId xmlns:a16="http://schemas.microsoft.com/office/drawing/2014/main" xmlns="" val="10002"/>
+                  </a:ext>
+                </a:extLst>
+              </a:tr>
+              <a:tr h="370840">
+                <a:tc>
+                  <a:txBody>
+                    <a:bodyPr/>
+                    <a:lstStyle/>
+                    <a:p>
+                      <a:pPr algn="ctr"/>
+                      <a:r>
+                        <a:rPr lang="en-US" dirty="0" smtClean="0"/>
+                        <a:t>3</a:t>
+                      </a:r>
+                      <a:endParaRPr lang="en-US" dirty="0"/>
+                    </a:p>
+                  </a:txBody>
+                  <a:tcPr/>
+                </a:tc>
+                <a:tc>
+                  <a:txBody>
+                    <a:bodyPr/>
+                    <a:lstStyle/>
+                    <a:p>
+                      <a:pPr algn="ctr"/>
+                      <a:r>
+                        <a:rPr lang="en-US" dirty="0" smtClean="0"/>
+                        <a:t>11.1</a:t>
+                      </a:r>
+                      <a:endParaRPr lang="en-US" dirty="0"/>
+                    </a:p>
+                  </a:txBody>
+                  <a:tcPr/>
+                </a:tc>
+                <a:extLst>
+                  <a:ext uri="{0D108BD9-81ED-4DB2-BD59-A6C34878D82A}">
+                    <a16:rowId xmlns:a16="http://schemas.microsoft.com/office/drawing/2014/main" xmlns="" val="10003"/>
+                  </a:ext>
+                </a:extLst>
+              </a:tr>
+              <a:tr h="370840">
+                <a:tc>
+                  <a:txBody>
+                    <a:bodyPr/>
+                    <a:lstStyle/>
+                    <a:p>
+                      <a:pPr algn="ctr"/>
+                      <a:r>
+                        <a:rPr lang="en-US" dirty="0" smtClean="0"/>
+                        <a:t>4</a:t>
+                      </a:r>
+                      <a:endParaRPr lang="en-US" dirty="0"/>
+                    </a:p>
+                  </a:txBody>
+                  <a:tcPr/>
+                </a:tc>
+                <a:tc>
+                  <a:txBody>
+                    <a:bodyPr/>
+                    <a:lstStyle/>
+                    <a:p>
+                      <a:pPr algn="ctr"/>
+                      <a:r>
+                        <a:rPr lang="en-US" dirty="0" smtClean="0"/>
+                        <a:t>6.3</a:t>
+                      </a:r>
+                      <a:endParaRPr lang="en-US" dirty="0"/>
+                    </a:p>
+                  </a:txBody>
+                  <a:tcPr/>
+                </a:tc>
+                <a:extLst>
+                  <a:ext uri="{0D108BD9-81ED-4DB2-BD59-A6C34878D82A}">
+                    <a16:rowId xmlns:a16="http://schemas.microsoft.com/office/drawing/2014/main" xmlns="" val="10004"/>
+                  </a:ext>
+                </a:extLst>
+              </a:tr>
+              <a:tr h="370840">
+                <a:tc>
+                  <a:txBody>
+                    <a:bodyPr/>
+                    <a:lstStyle/>
+                    <a:p>
+                      <a:pPr algn="ctr"/>
+                      <a:r>
+                        <a:rPr lang="en-US" dirty="0" smtClean="0"/>
+                        <a:t>5</a:t>
+                      </a:r>
+                      <a:endParaRPr lang="en-US" dirty="0"/>
+                    </a:p>
+                  </a:txBody>
+                  <a:tcPr/>
+                </a:tc>
+                <a:tc>
+                  <a:txBody>
+                    <a:bodyPr/>
+                    <a:lstStyle/>
+                    <a:p>
+                      <a:pPr algn="ctr"/>
+                      <a:r>
+                        <a:rPr lang="en-US" dirty="0" smtClean="0"/>
+                        <a:t>4.0</a:t>
+                      </a:r>
+                      <a:endParaRPr lang="en-US" dirty="0"/>
+                    </a:p>
+                  </a:txBody>
+                  <a:tcPr/>
+                </a:tc>
+                <a:extLst>
+                  <a:ext uri="{0D108BD9-81ED-4DB2-BD59-A6C34878D82A}">
+                    <a16:rowId xmlns:a16="http://schemas.microsoft.com/office/drawing/2014/main" xmlns="" val="10005"/>
                   </a:ext>
                 </a:extLst>
               </a:tr>
@@ -3650,6 +3929,11 @@
         </p:txBody>
       </p:sp>
     </p:spTree>
+    <p:extLst>
+      <p:ext uri="{BB962C8B-B14F-4D97-AF65-F5344CB8AC3E}">
+        <p14:creationId xmlns:p14="http://schemas.microsoft.com/office/powerpoint/2010/main" val="284257081"/>
+      </p:ext>
+    </p:extLst>
   </p:cSld>
   <p:clrMapOvr>
     <a:masterClrMapping/>
@@ -3689,11 +3973,7 @@
           <a:bodyPr/>
           <a:lstStyle/>
           <a:p>
-            <a:r>
-              <a:rPr lang="en-US" dirty="0" smtClean="0"/>
-              <a:t>Lab practice Activities</a:t>
-            </a:r>
-            <a:endParaRPr lang="en-US" dirty="0"/>
+            <a:endParaRPr lang="en-US"/>
           </a:p>
         </p:txBody>
       </p:sp>
@@ -3707,635 +3987,19 @@
             <p:ph idx="1"/>
           </p:nvPr>
         </p:nvSpPr>
-        <p:spPr>
-          <a:xfrm>
-            <a:off x="457200" y="1600201"/>
-            <a:ext cx="8229600" cy="1143000"/>
-          </a:xfrm>
-        </p:spPr>
-        <p:txBody>
-          <a:bodyPr/>
-          <a:lstStyle/>
-          <a:p>
-            <a:pPr marL="514350" indent="-514350">
-              <a:buFont typeface="+mj-lt"/>
-              <a:buAutoNum type="arabicPeriod" startAt="4"/>
-            </a:pPr>
-            <a:r>
-              <a:rPr lang="en-US" dirty="0" smtClean="0"/>
-              <a:t>For each set of data, quickly sketch the graph and determine the relationship.</a:t>
-            </a:r>
-            <a:endParaRPr lang="en-US" dirty="0"/>
-          </a:p>
-        </p:txBody>
-      </p:sp>
-      <p:graphicFrame>
-        <p:nvGraphicFramePr>
-          <p:cNvPr id="4" name="Table 3"/>
-          <p:cNvGraphicFramePr>
-            <a:graphicFrameLocks noGrp="1"/>
-          </p:cNvGraphicFramePr>
-          <p:nvPr>
-            <p:extLst>
-              <p:ext uri="{D42A27DB-BD31-4B8C-83A1-F6EECF244321}">
-                <p14:modId xmlns:p14="http://schemas.microsoft.com/office/powerpoint/2010/main" val="2102338041"/>
-              </p:ext>
-            </p:extLst>
-          </p:nvPr>
-        </p:nvGraphicFramePr>
-        <p:xfrm>
-          <a:off x="1828800" y="3048000"/>
-          <a:ext cx="2286000" cy="2494280"/>
-        </p:xfrm>
-        <a:graphic>
-          <a:graphicData uri="http://schemas.openxmlformats.org/drawingml/2006/table">
-            <a:tbl>
-              <a:tblPr firstRow="1" bandRow="1">
-                <a:tableStyleId>{5940675A-B579-460E-94D1-54222C63F5DA}</a:tableStyleId>
-              </a:tblPr>
-              <a:tblGrid>
-                <a:gridCol w="1143000">
-                  <a:extLst>
-                    <a:ext uri="{9D8B030D-6E8A-4147-A177-3AD203B41FA5}">
-                      <a16:colId xmlns:a16="http://schemas.microsoft.com/office/drawing/2014/main" val="20000"/>
-                    </a:ext>
-                  </a:extLst>
-                </a:gridCol>
-                <a:gridCol w="1143000">
-                  <a:extLst>
-                    <a:ext uri="{9D8B030D-6E8A-4147-A177-3AD203B41FA5}">
-                      <a16:colId xmlns:a16="http://schemas.microsoft.com/office/drawing/2014/main" val="20001"/>
-                    </a:ext>
-                  </a:extLst>
-                </a:gridCol>
-              </a:tblGrid>
-              <a:tr h="370840">
-                <a:tc>
-                  <a:txBody>
-                    <a:bodyPr/>
-                    <a:lstStyle/>
-                    <a:p>
-                      <a:pPr algn="ctr"/>
-                      <a:r>
-                        <a:rPr lang="en-US" b="1" dirty="0" smtClean="0"/>
-                        <a:t>Time </a:t>
-                      </a:r>
-                    </a:p>
-                    <a:p>
-                      <a:pPr algn="ctr"/>
-                      <a:r>
-                        <a:rPr lang="en-US" b="1" dirty="0" smtClean="0"/>
-                        <a:t>(s)</a:t>
-                      </a:r>
-                      <a:endParaRPr lang="en-US" b="1" dirty="0"/>
-                    </a:p>
-                  </a:txBody>
-                  <a:tcPr/>
-                </a:tc>
-                <a:tc>
-                  <a:txBody>
-                    <a:bodyPr/>
-                    <a:lstStyle/>
-                    <a:p>
-                      <a:pPr algn="ctr"/>
-                      <a:r>
-                        <a:rPr lang="en-US" b="1" dirty="0" smtClean="0"/>
-                        <a:t>Distance (m)</a:t>
-                      </a:r>
-                      <a:endParaRPr lang="en-US" b="1" dirty="0"/>
-                    </a:p>
-                  </a:txBody>
-                  <a:tcPr/>
-                </a:tc>
-                <a:extLst>
-                  <a:ext uri="{0D108BD9-81ED-4DB2-BD59-A6C34878D82A}">
-                    <a16:rowId xmlns:a16="http://schemas.microsoft.com/office/drawing/2014/main" val="10000"/>
-                  </a:ext>
-                </a:extLst>
-              </a:tr>
-              <a:tr h="370840">
-                <a:tc>
-                  <a:txBody>
-                    <a:bodyPr/>
-                    <a:lstStyle/>
-                    <a:p>
-                      <a:pPr algn="ctr"/>
-                      <a:r>
-                        <a:rPr lang="en-US" dirty="0" smtClean="0"/>
-                        <a:t>1</a:t>
-                      </a:r>
-                      <a:endParaRPr lang="en-US" dirty="0"/>
-                    </a:p>
-                  </a:txBody>
-                  <a:tcPr/>
-                </a:tc>
-                <a:tc>
-                  <a:txBody>
-                    <a:bodyPr/>
-                    <a:lstStyle/>
-                    <a:p>
-                      <a:pPr algn="ctr"/>
-                      <a:r>
-                        <a:rPr lang="en-US" dirty="0" smtClean="0"/>
-                        <a:t>1</a:t>
-                      </a:r>
-                      <a:endParaRPr lang="en-US" dirty="0"/>
-                    </a:p>
-                  </a:txBody>
-                  <a:tcPr/>
-                </a:tc>
-                <a:extLst>
-                  <a:ext uri="{0D108BD9-81ED-4DB2-BD59-A6C34878D82A}">
-                    <a16:rowId xmlns:a16="http://schemas.microsoft.com/office/drawing/2014/main" val="10001"/>
-                  </a:ext>
-                </a:extLst>
-              </a:tr>
-              <a:tr h="370840">
-                <a:tc>
-                  <a:txBody>
-                    <a:bodyPr/>
-                    <a:lstStyle/>
-                    <a:p>
-                      <a:pPr algn="ctr"/>
-                      <a:r>
-                        <a:rPr lang="en-US" dirty="0" smtClean="0"/>
-                        <a:t>2</a:t>
-                      </a:r>
-                      <a:endParaRPr lang="en-US" dirty="0"/>
-                    </a:p>
-                  </a:txBody>
-                  <a:tcPr/>
-                </a:tc>
-                <a:tc>
-                  <a:txBody>
-                    <a:bodyPr/>
-                    <a:lstStyle/>
-                    <a:p>
-                      <a:pPr algn="ctr"/>
-                      <a:r>
-                        <a:rPr lang="en-US" dirty="0" smtClean="0"/>
-                        <a:t>3</a:t>
-                      </a:r>
-                      <a:endParaRPr lang="en-US" dirty="0"/>
-                    </a:p>
-                  </a:txBody>
-                  <a:tcPr/>
-                </a:tc>
-                <a:extLst>
-                  <a:ext uri="{0D108BD9-81ED-4DB2-BD59-A6C34878D82A}">
-                    <a16:rowId xmlns:a16="http://schemas.microsoft.com/office/drawing/2014/main" val="10002"/>
-                  </a:ext>
-                </a:extLst>
-              </a:tr>
-              <a:tr h="370840">
-                <a:tc>
-                  <a:txBody>
-                    <a:bodyPr/>
-                    <a:lstStyle/>
-                    <a:p>
-                      <a:pPr algn="ctr"/>
-                      <a:r>
-                        <a:rPr lang="en-US" dirty="0" smtClean="0"/>
-                        <a:t>3</a:t>
-                      </a:r>
-                      <a:endParaRPr lang="en-US" dirty="0"/>
-                    </a:p>
-                  </a:txBody>
-                  <a:tcPr/>
-                </a:tc>
-                <a:tc>
-                  <a:txBody>
-                    <a:bodyPr/>
-                    <a:lstStyle/>
-                    <a:p>
-                      <a:pPr algn="ctr"/>
-                      <a:r>
-                        <a:rPr lang="en-US" dirty="0" smtClean="0"/>
-                        <a:t>8</a:t>
-                      </a:r>
-                      <a:endParaRPr lang="en-US" dirty="0"/>
-                    </a:p>
-                  </a:txBody>
-                  <a:tcPr/>
-                </a:tc>
-                <a:extLst>
-                  <a:ext uri="{0D108BD9-81ED-4DB2-BD59-A6C34878D82A}">
-                    <a16:rowId xmlns:a16="http://schemas.microsoft.com/office/drawing/2014/main" val="10003"/>
-                  </a:ext>
-                </a:extLst>
-              </a:tr>
-              <a:tr h="370840">
-                <a:tc>
-                  <a:txBody>
-                    <a:bodyPr/>
-                    <a:lstStyle/>
-                    <a:p>
-                      <a:pPr algn="ctr"/>
-                      <a:r>
-                        <a:rPr lang="en-US" dirty="0" smtClean="0"/>
-                        <a:t>4</a:t>
-                      </a:r>
-                      <a:endParaRPr lang="en-US" dirty="0"/>
-                    </a:p>
-                  </a:txBody>
-                  <a:tcPr/>
-                </a:tc>
-                <a:tc>
-                  <a:txBody>
-                    <a:bodyPr/>
-                    <a:lstStyle/>
-                    <a:p>
-                      <a:pPr algn="ctr"/>
-                      <a:r>
-                        <a:rPr lang="en-US" dirty="0" smtClean="0"/>
-                        <a:t>15</a:t>
-                      </a:r>
-                      <a:endParaRPr lang="en-US" dirty="0"/>
-                    </a:p>
-                  </a:txBody>
-                  <a:tcPr/>
-                </a:tc>
-                <a:extLst>
-                  <a:ext uri="{0D108BD9-81ED-4DB2-BD59-A6C34878D82A}">
-                    <a16:rowId xmlns:a16="http://schemas.microsoft.com/office/drawing/2014/main" val="10004"/>
-                  </a:ext>
-                </a:extLst>
-              </a:tr>
-              <a:tr h="370840">
-                <a:tc>
-                  <a:txBody>
-                    <a:bodyPr/>
-                    <a:lstStyle/>
-                    <a:p>
-                      <a:pPr algn="ctr"/>
-                      <a:r>
-                        <a:rPr lang="en-US" dirty="0" smtClean="0"/>
-                        <a:t>5</a:t>
-                      </a:r>
-                      <a:endParaRPr lang="en-US" dirty="0"/>
-                    </a:p>
-                  </a:txBody>
-                  <a:tcPr/>
-                </a:tc>
-                <a:tc>
-                  <a:txBody>
-                    <a:bodyPr/>
-                    <a:lstStyle/>
-                    <a:p>
-                      <a:pPr algn="ctr"/>
-                      <a:r>
-                        <a:rPr lang="en-US" dirty="0" smtClean="0"/>
-                        <a:t>24</a:t>
-                      </a:r>
-                      <a:endParaRPr lang="en-US" dirty="0"/>
-                    </a:p>
-                  </a:txBody>
-                  <a:tcPr/>
-                </a:tc>
-                <a:extLst>
-                  <a:ext uri="{0D108BD9-81ED-4DB2-BD59-A6C34878D82A}">
-                    <a16:rowId xmlns:a16="http://schemas.microsoft.com/office/drawing/2014/main" val="10005"/>
-                  </a:ext>
-                </a:extLst>
-              </a:tr>
-            </a:tbl>
-          </a:graphicData>
-        </a:graphic>
-      </p:graphicFrame>
-      <p:graphicFrame>
-        <p:nvGraphicFramePr>
-          <p:cNvPr id="5" name="Table 4"/>
-          <p:cNvGraphicFramePr>
-            <a:graphicFrameLocks noGrp="1"/>
-          </p:cNvGraphicFramePr>
-          <p:nvPr>
-            <p:extLst>
-              <p:ext uri="{D42A27DB-BD31-4B8C-83A1-F6EECF244321}">
-                <p14:modId xmlns:p14="http://schemas.microsoft.com/office/powerpoint/2010/main" val="3260111680"/>
-              </p:ext>
-            </p:extLst>
-          </p:nvPr>
-        </p:nvGraphicFramePr>
-        <p:xfrm>
-          <a:off x="5562600" y="3032760"/>
-          <a:ext cx="1905000" cy="2494280"/>
-        </p:xfrm>
-        <a:graphic>
-          <a:graphicData uri="http://schemas.openxmlformats.org/drawingml/2006/table">
-            <a:tbl>
-              <a:tblPr firstRow="1" bandRow="1">
-                <a:tableStyleId>{5940675A-B579-460E-94D1-54222C63F5DA}</a:tableStyleId>
-              </a:tblPr>
-              <a:tblGrid>
-                <a:gridCol w="952500">
-                  <a:extLst>
-                    <a:ext uri="{9D8B030D-6E8A-4147-A177-3AD203B41FA5}">
-                      <a16:colId xmlns:a16="http://schemas.microsoft.com/office/drawing/2014/main" val="20000"/>
-                    </a:ext>
-                  </a:extLst>
-                </a:gridCol>
-                <a:gridCol w="952500">
-                  <a:extLst>
-                    <a:ext uri="{9D8B030D-6E8A-4147-A177-3AD203B41FA5}">
-                      <a16:colId xmlns:a16="http://schemas.microsoft.com/office/drawing/2014/main" val="20001"/>
-                    </a:ext>
-                  </a:extLst>
-                </a:gridCol>
-              </a:tblGrid>
-              <a:tr h="370840">
-                <a:tc>
-                  <a:txBody>
-                    <a:bodyPr/>
-                    <a:lstStyle/>
-                    <a:p>
-                      <a:pPr algn="ctr"/>
-                      <a:r>
-                        <a:rPr lang="en-CA" b="1" dirty="0" smtClean="0"/>
-                        <a:t>Length</a:t>
-                      </a:r>
-                      <a:r>
-                        <a:rPr lang="en-CA" b="1" baseline="0" dirty="0" smtClean="0"/>
-                        <a:t> (cm)</a:t>
-                      </a:r>
-                      <a:endParaRPr lang="en-US" b="1" dirty="0"/>
-                    </a:p>
-                  </a:txBody>
-                  <a:tcPr/>
-                </a:tc>
-                <a:tc>
-                  <a:txBody>
-                    <a:bodyPr/>
-                    <a:lstStyle/>
-                    <a:p>
-                      <a:pPr algn="ctr"/>
-                      <a:r>
-                        <a:rPr lang="en-US" b="1" dirty="0" smtClean="0"/>
-                        <a:t>Force (N)</a:t>
-                      </a:r>
-                      <a:endParaRPr lang="en-US" b="1" dirty="0"/>
-                    </a:p>
-                  </a:txBody>
-                  <a:tcPr/>
-                </a:tc>
-                <a:extLst>
-                  <a:ext uri="{0D108BD9-81ED-4DB2-BD59-A6C34878D82A}">
-                    <a16:rowId xmlns:a16="http://schemas.microsoft.com/office/drawing/2014/main" val="10000"/>
-                  </a:ext>
-                </a:extLst>
-              </a:tr>
-              <a:tr h="370840">
-                <a:tc>
-                  <a:txBody>
-                    <a:bodyPr/>
-                    <a:lstStyle/>
-                    <a:p>
-                      <a:pPr algn="ctr"/>
-                      <a:r>
-                        <a:rPr lang="en-US" dirty="0" smtClean="0"/>
-                        <a:t>1</a:t>
-                      </a:r>
-                      <a:endParaRPr lang="en-US" dirty="0"/>
-                    </a:p>
-                  </a:txBody>
-                  <a:tcPr/>
-                </a:tc>
-                <a:tc>
-                  <a:txBody>
-                    <a:bodyPr/>
-                    <a:lstStyle/>
-                    <a:p>
-                      <a:pPr algn="ctr"/>
-                      <a:r>
-                        <a:rPr lang="en-US" dirty="0" smtClean="0"/>
-                        <a:t>100.0</a:t>
-                      </a:r>
-                      <a:endParaRPr lang="en-US" dirty="0"/>
-                    </a:p>
-                  </a:txBody>
-                  <a:tcPr/>
-                </a:tc>
-                <a:extLst>
-                  <a:ext uri="{0D108BD9-81ED-4DB2-BD59-A6C34878D82A}">
-                    <a16:rowId xmlns:a16="http://schemas.microsoft.com/office/drawing/2014/main" val="10001"/>
-                  </a:ext>
-                </a:extLst>
-              </a:tr>
-              <a:tr h="370840">
-                <a:tc>
-                  <a:txBody>
-                    <a:bodyPr/>
-                    <a:lstStyle/>
-                    <a:p>
-                      <a:pPr algn="ctr"/>
-                      <a:r>
-                        <a:rPr lang="en-US" dirty="0" smtClean="0"/>
-                        <a:t>2</a:t>
-                      </a:r>
-                      <a:endParaRPr lang="en-US" dirty="0"/>
-                    </a:p>
-                  </a:txBody>
-                  <a:tcPr/>
-                </a:tc>
-                <a:tc>
-                  <a:txBody>
-                    <a:bodyPr/>
-                    <a:lstStyle/>
-                    <a:p>
-                      <a:pPr algn="ctr"/>
-                      <a:r>
-                        <a:rPr lang="en-US" dirty="0" smtClean="0"/>
-                        <a:t>25.0</a:t>
-                      </a:r>
-                      <a:endParaRPr lang="en-US" dirty="0"/>
-                    </a:p>
-                  </a:txBody>
-                  <a:tcPr/>
-                </a:tc>
-                <a:extLst>
-                  <a:ext uri="{0D108BD9-81ED-4DB2-BD59-A6C34878D82A}">
-                    <a16:rowId xmlns:a16="http://schemas.microsoft.com/office/drawing/2014/main" val="10002"/>
-                  </a:ext>
-                </a:extLst>
-              </a:tr>
-              <a:tr h="370840">
-                <a:tc>
-                  <a:txBody>
-                    <a:bodyPr/>
-                    <a:lstStyle/>
-                    <a:p>
-                      <a:pPr algn="ctr"/>
-                      <a:r>
-                        <a:rPr lang="en-US" dirty="0" smtClean="0"/>
-                        <a:t>3</a:t>
-                      </a:r>
-                      <a:endParaRPr lang="en-US" dirty="0"/>
-                    </a:p>
-                  </a:txBody>
-                  <a:tcPr/>
-                </a:tc>
-                <a:tc>
-                  <a:txBody>
-                    <a:bodyPr/>
-                    <a:lstStyle/>
-                    <a:p>
-                      <a:pPr algn="ctr"/>
-                      <a:r>
-                        <a:rPr lang="en-US" dirty="0" smtClean="0"/>
-                        <a:t>11.1</a:t>
-                      </a:r>
-                      <a:endParaRPr lang="en-US" dirty="0"/>
-                    </a:p>
-                  </a:txBody>
-                  <a:tcPr/>
-                </a:tc>
-                <a:extLst>
-                  <a:ext uri="{0D108BD9-81ED-4DB2-BD59-A6C34878D82A}">
-                    <a16:rowId xmlns:a16="http://schemas.microsoft.com/office/drawing/2014/main" val="10003"/>
-                  </a:ext>
-                </a:extLst>
-              </a:tr>
-              <a:tr h="370840">
-                <a:tc>
-                  <a:txBody>
-                    <a:bodyPr/>
-                    <a:lstStyle/>
-                    <a:p>
-                      <a:pPr algn="ctr"/>
-                      <a:r>
-                        <a:rPr lang="en-US" dirty="0" smtClean="0"/>
-                        <a:t>4</a:t>
-                      </a:r>
-                      <a:endParaRPr lang="en-US" dirty="0"/>
-                    </a:p>
-                  </a:txBody>
-                  <a:tcPr/>
-                </a:tc>
-                <a:tc>
-                  <a:txBody>
-                    <a:bodyPr/>
-                    <a:lstStyle/>
-                    <a:p>
-                      <a:pPr algn="ctr"/>
-                      <a:r>
-                        <a:rPr lang="en-US" dirty="0" smtClean="0"/>
-                        <a:t>6.3</a:t>
-                      </a:r>
-                      <a:endParaRPr lang="en-US" dirty="0"/>
-                    </a:p>
-                  </a:txBody>
-                  <a:tcPr/>
-                </a:tc>
-                <a:extLst>
-                  <a:ext uri="{0D108BD9-81ED-4DB2-BD59-A6C34878D82A}">
-                    <a16:rowId xmlns:a16="http://schemas.microsoft.com/office/drawing/2014/main" val="10004"/>
-                  </a:ext>
-                </a:extLst>
-              </a:tr>
-              <a:tr h="370840">
-                <a:tc>
-                  <a:txBody>
-                    <a:bodyPr/>
-                    <a:lstStyle/>
-                    <a:p>
-                      <a:pPr algn="ctr"/>
-                      <a:r>
-                        <a:rPr lang="en-US" dirty="0" smtClean="0"/>
-                        <a:t>5</a:t>
-                      </a:r>
-                      <a:endParaRPr lang="en-US" dirty="0"/>
-                    </a:p>
-                  </a:txBody>
-                  <a:tcPr/>
-                </a:tc>
-                <a:tc>
-                  <a:txBody>
-                    <a:bodyPr/>
-                    <a:lstStyle/>
-                    <a:p>
-                      <a:pPr algn="ctr"/>
-                      <a:r>
-                        <a:rPr lang="en-US" dirty="0" smtClean="0"/>
-                        <a:t>4.0</a:t>
-                      </a:r>
-                      <a:endParaRPr lang="en-US" dirty="0"/>
-                    </a:p>
-                  </a:txBody>
-                  <a:tcPr/>
-                </a:tc>
-                <a:extLst>
-                  <a:ext uri="{0D108BD9-81ED-4DB2-BD59-A6C34878D82A}">
-                    <a16:rowId xmlns:a16="http://schemas.microsoft.com/office/drawing/2014/main" val="10005"/>
-                  </a:ext>
-                </a:extLst>
-              </a:tr>
-            </a:tbl>
-          </a:graphicData>
-        </a:graphic>
-      </p:graphicFrame>
-      <p:sp>
-        <p:nvSpPr>
-          <p:cNvPr id="6" name="TextBox 5"/>
-          <p:cNvSpPr txBox="1"/>
-          <p:nvPr/>
-        </p:nvSpPr>
-        <p:spPr>
-          <a:xfrm>
-            <a:off x="1219200" y="3048000"/>
-            <a:ext cx="506870" cy="584775"/>
-          </a:xfrm>
-          <a:prstGeom prst="rect">
-            <a:avLst/>
-          </a:prstGeom>
-          <a:noFill/>
-        </p:spPr>
-        <p:txBody>
-          <a:bodyPr wrap="none" rtlCol="0">
-            <a:spAutoFit/>
-          </a:bodyPr>
-          <a:lstStyle/>
-          <a:p>
-            <a:r>
-              <a:rPr lang="en-US" sz="3200" dirty="0" smtClean="0"/>
-              <a:t>a)</a:t>
-            </a:r>
-            <a:endParaRPr lang="en-US" sz="3200" dirty="0"/>
-          </a:p>
-        </p:txBody>
-      </p:sp>
-      <p:sp>
-        <p:nvSpPr>
-          <p:cNvPr id="7" name="TextBox 6"/>
-          <p:cNvSpPr txBox="1"/>
-          <p:nvPr/>
-        </p:nvSpPr>
-        <p:spPr>
-          <a:xfrm>
-            <a:off x="4953000" y="3048000"/>
-            <a:ext cx="526106" cy="584775"/>
-          </a:xfrm>
-          <a:prstGeom prst="rect">
-            <a:avLst/>
-          </a:prstGeom>
-          <a:noFill/>
-        </p:spPr>
-        <p:txBody>
-          <a:bodyPr wrap="none" rtlCol="0">
-            <a:spAutoFit/>
-          </a:bodyPr>
-          <a:lstStyle/>
-          <a:p>
-            <a:r>
-              <a:rPr lang="en-US" sz="3200" dirty="0" smtClean="0"/>
-              <a:t>b)</a:t>
-            </a:r>
-            <a:endParaRPr lang="en-US" sz="3200" dirty="0"/>
+        <p:spPr/>
+        <p:txBody>
+          <a:bodyPr/>
+          <a:lstStyle/>
+          <a:p>
+            <a:endParaRPr lang="en-US"/>
           </a:p>
         </p:txBody>
       </p:sp>
     </p:spTree>
     <p:extLst>
       <p:ext uri="{BB962C8B-B14F-4D97-AF65-F5344CB8AC3E}">
-        <p14:creationId xmlns:p14="http://schemas.microsoft.com/office/powerpoint/2010/main" val="284257081"/>
+        <p14:creationId xmlns:p14="http://schemas.microsoft.com/office/powerpoint/2010/main" val="999556726"/>
       </p:ext>
     </p:extLst>
   </p:cSld>
@@ -4379,6 +4043,117 @@
           <a:p>
             <a:r>
               <a:rPr lang="en-US" dirty="0" smtClean="0"/>
+              <a:t>Lab Practice Activities</a:t>
+            </a:r>
+            <a:endParaRPr lang="en-US" dirty="0"/>
+          </a:p>
+        </p:txBody>
+      </p:sp>
+      <p:sp>
+        <p:nvSpPr>
+          <p:cNvPr id="3" name="Content Placeholder 2"/>
+          <p:cNvSpPr>
+            <a:spLocks noGrp="1"/>
+          </p:cNvSpPr>
+          <p:nvPr>
+            <p:ph idx="1"/>
+          </p:nvPr>
+        </p:nvSpPr>
+        <p:spPr/>
+        <p:txBody>
+          <a:bodyPr>
+            <a:normAutofit fontScale="92500" lnSpcReduction="20000"/>
+          </a:bodyPr>
+          <a:lstStyle/>
+          <a:p>
+            <a:pPr marL="514350" indent="-514350">
+              <a:buFont typeface="+mj-lt"/>
+              <a:buAutoNum type="arabicPeriod"/>
+            </a:pPr>
+            <a:r>
+              <a:rPr lang="en-US" dirty="0" smtClean="0"/>
+              <a:t>Write a procedure for putting on your shoes.</a:t>
+            </a:r>
+          </a:p>
+          <a:p>
+            <a:pPr marL="514350" indent="-514350">
+              <a:buFont typeface="+mj-lt"/>
+              <a:buAutoNum type="arabicPeriod"/>
+            </a:pPr>
+            <a:endParaRPr lang="en-US" dirty="0" smtClean="0"/>
+          </a:p>
+          <a:p>
+            <a:pPr marL="514350" indent="-514350">
+              <a:buFont typeface="+mj-lt"/>
+              <a:buAutoNum type="arabicPeriod"/>
+            </a:pPr>
+            <a:r>
+              <a:rPr lang="en-US" dirty="0" smtClean="0"/>
+              <a:t>The theoretical value calculated for the speed of a rocket is 1260 m/s and the value measured by experiment is 1190 m/s. What is the %error?</a:t>
+            </a:r>
+          </a:p>
+          <a:p>
+            <a:pPr marL="514350" indent="-514350">
+              <a:buFont typeface="+mj-lt"/>
+              <a:buAutoNum type="arabicPeriod"/>
+            </a:pPr>
+            <a:endParaRPr lang="en-US" dirty="0" smtClean="0"/>
+          </a:p>
+          <a:p>
+            <a:pPr marL="514350" indent="-514350">
+              <a:buFont typeface="+mj-lt"/>
+              <a:buAutoNum type="arabicPeriod"/>
+            </a:pPr>
+            <a:r>
+              <a:rPr lang="en-US" dirty="0" smtClean="0"/>
+              <a:t>Two measurements for the length of a spring were taken. The first measurement was 11.5 cm and the second measurement was 12.2 cm. What is the % difference?</a:t>
+            </a:r>
+            <a:endParaRPr lang="en-US" dirty="0"/>
+          </a:p>
+        </p:txBody>
+      </p:sp>
+    </p:spTree>
+  </p:cSld>
+  <p:clrMapOvr>
+    <a:masterClrMapping/>
+  </p:clrMapOvr>
+</p:sld>
+</file>
+
+<file path=ppt/slides/slide6.xml><?xml version="1.0" encoding="utf-8"?>
+<p:sld xmlns:a="http://schemas.openxmlformats.org/drawingml/2006/main" xmlns:r="http://schemas.openxmlformats.org/officeDocument/2006/relationships" xmlns:p="http://schemas.openxmlformats.org/presentationml/2006/main">
+  <p:cSld>
+    <p:spTree>
+      <p:nvGrpSpPr>
+        <p:cNvPr id="1" name=""/>
+        <p:cNvGrpSpPr/>
+        <p:nvPr/>
+      </p:nvGrpSpPr>
+      <p:grpSpPr>
+        <a:xfrm>
+          <a:off x="0" y="0"/>
+          <a:ext cx="0" cy="0"/>
+          <a:chOff x="0" y="0"/>
+          <a:chExt cx="0" cy="0"/>
+        </a:xfrm>
+      </p:grpSpPr>
+      <p:sp>
+        <p:nvSpPr>
+          <p:cNvPr id="2" name="Title 1"/>
+          <p:cNvSpPr>
+            <a:spLocks noGrp="1"/>
+          </p:cNvSpPr>
+          <p:nvPr>
+            <p:ph type="title"/>
+          </p:nvPr>
+        </p:nvSpPr>
+        <p:spPr/>
+        <p:txBody>
+          <a:bodyPr/>
+          <a:lstStyle/>
+          <a:p>
+            <a:r>
+              <a:rPr lang="en-US" dirty="0" smtClean="0"/>
               <a:t>Lab practice Activities</a:t>
             </a:r>
             <a:endParaRPr lang="en-US" dirty="0"/>
@@ -4439,14 +4214,14 @@
                 <a:gridCol w="952500">
                   <a:extLst>
                     <a:ext uri="{9D8B030D-6E8A-4147-A177-3AD203B41FA5}">
-                      <a16:colId xmlns:a16="http://schemas.microsoft.com/office/drawing/2014/main" val="20000"/>
+                      <a16:colId xmlns:a16="http://schemas.microsoft.com/office/drawing/2014/main" xmlns="" val="20000"/>
                     </a:ext>
                   </a:extLst>
                 </a:gridCol>
                 <a:gridCol w="952500">
                   <a:extLst>
                     <a:ext uri="{9D8B030D-6E8A-4147-A177-3AD203B41FA5}">
-                      <a16:colId xmlns:a16="http://schemas.microsoft.com/office/drawing/2014/main" val="20001"/>
+                      <a16:colId xmlns:a16="http://schemas.microsoft.com/office/drawing/2014/main" xmlns="" val="20001"/>
                     </a:ext>
                   </a:extLst>
                 </a:gridCol>
@@ -4484,7 +4259,7 @@
                 </a:tc>
                 <a:extLst>
                   <a:ext uri="{0D108BD9-81ED-4DB2-BD59-A6C34878D82A}">
-                    <a16:rowId xmlns:a16="http://schemas.microsoft.com/office/drawing/2014/main" val="10000"/>
+                    <a16:rowId xmlns:a16="http://schemas.microsoft.com/office/drawing/2014/main" xmlns="" val="10000"/>
                   </a:ext>
                 </a:extLst>
               </a:tr>
@@ -4521,7 +4296,7 @@
                 </a:tc>
                 <a:extLst>
                   <a:ext uri="{0D108BD9-81ED-4DB2-BD59-A6C34878D82A}">
-                    <a16:rowId xmlns:a16="http://schemas.microsoft.com/office/drawing/2014/main" val="10001"/>
+                    <a16:rowId xmlns:a16="http://schemas.microsoft.com/office/drawing/2014/main" xmlns="" val="10001"/>
                   </a:ext>
                 </a:extLst>
               </a:tr>
@@ -4558,7 +4333,7 @@
                 </a:tc>
                 <a:extLst>
                   <a:ext uri="{0D108BD9-81ED-4DB2-BD59-A6C34878D82A}">
-                    <a16:rowId xmlns:a16="http://schemas.microsoft.com/office/drawing/2014/main" val="10002"/>
+                    <a16:rowId xmlns:a16="http://schemas.microsoft.com/office/drawing/2014/main" xmlns="" val="10002"/>
                   </a:ext>
                 </a:extLst>
               </a:tr>
@@ -4595,7 +4370,7 @@
                 </a:tc>
                 <a:extLst>
                   <a:ext uri="{0D108BD9-81ED-4DB2-BD59-A6C34878D82A}">
-                    <a16:rowId xmlns:a16="http://schemas.microsoft.com/office/drawing/2014/main" val="10003"/>
+                    <a16:rowId xmlns:a16="http://schemas.microsoft.com/office/drawing/2014/main" xmlns="" val="10003"/>
                   </a:ext>
                 </a:extLst>
               </a:tr>
@@ -4632,7 +4407,7 @@
                 </a:tc>
                 <a:extLst>
                   <a:ext uri="{0D108BD9-81ED-4DB2-BD59-A6C34878D82A}">
-                    <a16:rowId xmlns:a16="http://schemas.microsoft.com/office/drawing/2014/main" val="10004"/>
+                    <a16:rowId xmlns:a16="http://schemas.microsoft.com/office/drawing/2014/main" xmlns="" val="10004"/>
                   </a:ext>
                 </a:extLst>
               </a:tr>
@@ -4669,7 +4444,7 @@
                 </a:tc>
                 <a:extLst>
                   <a:ext uri="{0D108BD9-81ED-4DB2-BD59-A6C34878D82A}">
-                    <a16:rowId xmlns:a16="http://schemas.microsoft.com/office/drawing/2014/main" val="10005"/>
+                    <a16:rowId xmlns:a16="http://schemas.microsoft.com/office/drawing/2014/main" xmlns="" val="10005"/>
                   </a:ext>
                 </a:extLst>
               </a:tr>
@@ -4699,14 +4474,14 @@
                 <a:gridCol w="952500">
                   <a:extLst>
                     <a:ext uri="{9D8B030D-6E8A-4147-A177-3AD203B41FA5}">
-                      <a16:colId xmlns:a16="http://schemas.microsoft.com/office/drawing/2014/main" val="20000"/>
+                      <a16:colId xmlns:a16="http://schemas.microsoft.com/office/drawing/2014/main" xmlns="" val="20000"/>
                     </a:ext>
                   </a:extLst>
                 </a:gridCol>
                 <a:gridCol w="952500">
                   <a:extLst>
                     <a:ext uri="{9D8B030D-6E8A-4147-A177-3AD203B41FA5}">
-                      <a16:colId xmlns:a16="http://schemas.microsoft.com/office/drawing/2014/main" val="20001"/>
+                      <a16:colId xmlns:a16="http://schemas.microsoft.com/office/drawing/2014/main" xmlns="" val="20001"/>
                     </a:ext>
                   </a:extLst>
                 </a:gridCol>
@@ -4744,7 +4519,7 @@
                 </a:tc>
                 <a:extLst>
                   <a:ext uri="{0D108BD9-81ED-4DB2-BD59-A6C34878D82A}">
-                    <a16:rowId xmlns:a16="http://schemas.microsoft.com/office/drawing/2014/main" val="10000"/>
+                    <a16:rowId xmlns:a16="http://schemas.microsoft.com/office/drawing/2014/main" xmlns="" val="10000"/>
                   </a:ext>
                 </a:extLst>
               </a:tr>
@@ -4781,7 +4556,7 @@
                 </a:tc>
                 <a:extLst>
                   <a:ext uri="{0D108BD9-81ED-4DB2-BD59-A6C34878D82A}">
-                    <a16:rowId xmlns:a16="http://schemas.microsoft.com/office/drawing/2014/main" val="10001"/>
+                    <a16:rowId xmlns:a16="http://schemas.microsoft.com/office/drawing/2014/main" xmlns="" val="10001"/>
                   </a:ext>
                 </a:extLst>
               </a:tr>
@@ -4818,7 +4593,7 @@
                 </a:tc>
                 <a:extLst>
                   <a:ext uri="{0D108BD9-81ED-4DB2-BD59-A6C34878D82A}">
-                    <a16:rowId xmlns:a16="http://schemas.microsoft.com/office/drawing/2014/main" val="10002"/>
+                    <a16:rowId xmlns:a16="http://schemas.microsoft.com/office/drawing/2014/main" xmlns="" val="10002"/>
                   </a:ext>
                 </a:extLst>
               </a:tr>
@@ -4855,7 +4630,7 @@
                 </a:tc>
                 <a:extLst>
                   <a:ext uri="{0D108BD9-81ED-4DB2-BD59-A6C34878D82A}">
-                    <a16:rowId xmlns:a16="http://schemas.microsoft.com/office/drawing/2014/main" val="10003"/>
+                    <a16:rowId xmlns:a16="http://schemas.microsoft.com/office/drawing/2014/main" xmlns="" val="10003"/>
                   </a:ext>
                 </a:extLst>
               </a:tr>
@@ -4892,7 +4667,7 @@
                 </a:tc>
                 <a:extLst>
                   <a:ext uri="{0D108BD9-81ED-4DB2-BD59-A6C34878D82A}">
-                    <a16:rowId xmlns:a16="http://schemas.microsoft.com/office/drawing/2014/main" val="10004"/>
+                    <a16:rowId xmlns:a16="http://schemas.microsoft.com/office/drawing/2014/main" xmlns="" val="10004"/>
                   </a:ext>
                 </a:extLst>
               </a:tr>
@@ -4929,7 +4704,7 @@
                 </a:tc>
                 <a:extLst>
                   <a:ext uri="{0D108BD9-81ED-4DB2-BD59-A6C34878D82A}">
-                    <a16:rowId xmlns:a16="http://schemas.microsoft.com/office/drawing/2014/main" val="10005"/>
+                    <a16:rowId xmlns:a16="http://schemas.microsoft.com/office/drawing/2014/main" xmlns="" val="10005"/>
                   </a:ext>
                 </a:extLst>
               </a:tr>
@@ -5003,6 +4778,419 @@
         <p14:creationId xmlns:p14="http://schemas.microsoft.com/office/powerpoint/2010/main" val="1794517196"/>
       </p:ext>
     </p:extLst>
+  </p:cSld>
+  <p:clrMapOvr>
+    <a:masterClrMapping/>
+  </p:clrMapOvr>
+</p:sld>
+</file>
+
+<file path=ppt/slides/slide7.xml><?xml version="1.0" encoding="utf-8"?>
+<p:sld xmlns:a="http://schemas.openxmlformats.org/drawingml/2006/main" xmlns:r="http://schemas.openxmlformats.org/officeDocument/2006/relationships" xmlns:p="http://schemas.openxmlformats.org/presentationml/2006/main">
+  <p:cSld>
+    <p:spTree>
+      <p:nvGrpSpPr>
+        <p:cNvPr id="1" name=""/>
+        <p:cNvGrpSpPr/>
+        <p:nvPr/>
+      </p:nvGrpSpPr>
+      <p:grpSpPr>
+        <a:xfrm>
+          <a:off x="0" y="0"/>
+          <a:ext cx="0" cy="0"/>
+          <a:chOff x="0" y="0"/>
+          <a:chExt cx="0" cy="0"/>
+        </a:xfrm>
+      </p:grpSpPr>
+      <p:sp>
+        <p:nvSpPr>
+          <p:cNvPr id="2" name="Title 1"/>
+          <p:cNvSpPr>
+            <a:spLocks noGrp="1"/>
+          </p:cNvSpPr>
+          <p:nvPr>
+            <p:ph type="title"/>
+          </p:nvPr>
+        </p:nvSpPr>
+        <p:spPr/>
+        <p:txBody>
+          <a:bodyPr/>
+          <a:lstStyle/>
+          <a:p>
+            <a:r>
+              <a:rPr lang="en-US" dirty="0" smtClean="0"/>
+              <a:t>Lab practice Activities</a:t>
+            </a:r>
+            <a:endParaRPr lang="en-US" dirty="0"/>
+          </a:p>
+        </p:txBody>
+      </p:sp>
+      <p:sp>
+        <p:nvSpPr>
+          <p:cNvPr id="3" name="Content Placeholder 2"/>
+          <p:cNvSpPr>
+            <a:spLocks noGrp="1"/>
+          </p:cNvSpPr>
+          <p:nvPr>
+            <p:ph idx="1"/>
+          </p:nvPr>
+        </p:nvSpPr>
+        <p:spPr>
+          <a:xfrm>
+            <a:off x="457200" y="1600201"/>
+            <a:ext cx="8229600" cy="1143000"/>
+          </a:xfrm>
+        </p:spPr>
+        <p:txBody>
+          <a:bodyPr/>
+          <a:lstStyle/>
+          <a:p>
+            <a:pPr marL="514350" indent="-514350">
+              <a:buFont typeface="+mj-lt"/>
+              <a:buAutoNum type="arabicPeriod" startAt="4"/>
+            </a:pPr>
+            <a:r>
+              <a:rPr lang="en-US" dirty="0" smtClean="0"/>
+              <a:t>For each set of data, quickly sketch the graph and determine the relationship.</a:t>
+            </a:r>
+            <a:endParaRPr lang="en-US" dirty="0"/>
+          </a:p>
+        </p:txBody>
+      </p:sp>
+      <p:graphicFrame>
+        <p:nvGraphicFramePr>
+          <p:cNvPr id="4" name="Table 3"/>
+          <p:cNvGraphicFramePr>
+            <a:graphicFrameLocks noGrp="1"/>
+          </p:cNvGraphicFramePr>
+          <p:nvPr>
+            <p:extLst>
+              <p:ext uri="{D42A27DB-BD31-4B8C-83A1-F6EECF244321}">
+                <p14:modId xmlns:p14="http://schemas.microsoft.com/office/powerpoint/2010/main" val="2102338041"/>
+              </p:ext>
+            </p:extLst>
+          </p:nvPr>
+        </p:nvGraphicFramePr>
+        <p:xfrm>
+          <a:off x="1828800" y="3048000"/>
+          <a:ext cx="2286000" cy="2494280"/>
+        </p:xfrm>
+        <a:graphic>
+          <a:graphicData uri="http://schemas.openxmlformats.org/drawingml/2006/table">
+            <a:tbl>
+              <a:tblPr firstRow="1" bandRow="1">
+                <a:tableStyleId>{5940675A-B579-460E-94D1-54222C63F5DA}</a:tableStyleId>
+              </a:tblPr>
+              <a:tblGrid>
+                <a:gridCol w="1143000">
+                  <a:extLst>
+                    <a:ext uri="{9D8B030D-6E8A-4147-A177-3AD203B41FA5}">
+                      <a16:colId xmlns:a16="http://schemas.microsoft.com/office/drawing/2014/main" xmlns="" val="20000"/>
+                    </a:ext>
+                  </a:extLst>
+                </a:gridCol>
+                <a:gridCol w="1143000">
+                  <a:extLst>
+                    <a:ext uri="{9D8B030D-6E8A-4147-A177-3AD203B41FA5}">
+                      <a16:colId xmlns:a16="http://schemas.microsoft.com/office/drawing/2014/main" xmlns="" val="20001"/>
+                    </a:ext>
+                  </a:extLst>
+                </a:gridCol>
+              </a:tblGrid>
+              <a:tr h="370840">
+                <a:tc>
+                  <a:txBody>
+                    <a:bodyPr/>
+                    <a:lstStyle/>
+                    <a:p>
+                      <a:pPr algn="ctr"/>
+                      <a:r>
+                        <a:rPr lang="en-US" b="1" dirty="0" smtClean="0"/>
+                        <a:t>Time </a:t>
+                      </a:r>
+                    </a:p>
+                    <a:p>
+                      <a:pPr algn="ctr"/>
+                      <a:r>
+                        <a:rPr lang="en-US" b="1" dirty="0" smtClean="0"/>
+                        <a:t>(s)</a:t>
+                      </a:r>
+                      <a:endParaRPr lang="en-US" b="1" dirty="0"/>
+                    </a:p>
+                  </a:txBody>
+                  <a:tcPr/>
+                </a:tc>
+                <a:tc>
+                  <a:txBody>
+                    <a:bodyPr/>
+                    <a:lstStyle/>
+                    <a:p>
+                      <a:pPr algn="ctr"/>
+                      <a:r>
+                        <a:rPr lang="en-US" b="1" dirty="0" smtClean="0"/>
+                        <a:t>Distance (m)</a:t>
+                      </a:r>
+                      <a:endParaRPr lang="en-US" b="1" dirty="0"/>
+                    </a:p>
+                  </a:txBody>
+                  <a:tcPr/>
+                </a:tc>
+                <a:extLst>
+                  <a:ext uri="{0D108BD9-81ED-4DB2-BD59-A6C34878D82A}">
+                    <a16:rowId xmlns:a16="http://schemas.microsoft.com/office/drawing/2014/main" xmlns="" val="10000"/>
+                  </a:ext>
+                </a:extLst>
+              </a:tr>
+              <a:tr h="370840">
+                <a:tc>
+                  <a:txBody>
+                    <a:bodyPr/>
+                    <a:lstStyle/>
+                    <a:p>
+                      <a:pPr algn="ctr"/>
+                      <a:r>
+                        <a:rPr lang="en-US" dirty="0" smtClean="0"/>
+                        <a:t>1</a:t>
+                      </a:r>
+                      <a:endParaRPr lang="en-US" dirty="0"/>
+                    </a:p>
+                  </a:txBody>
+                  <a:tcPr/>
+                </a:tc>
+                <a:tc>
+                  <a:txBody>
+                    <a:bodyPr/>
+                    <a:lstStyle/>
+                    <a:p>
+                      <a:pPr algn="ctr"/>
+                      <a:r>
+                        <a:rPr lang="en-US" dirty="0" smtClean="0"/>
+                        <a:t>1</a:t>
+                      </a:r>
+                      <a:endParaRPr lang="en-US" dirty="0"/>
+                    </a:p>
+                  </a:txBody>
+                  <a:tcPr/>
+                </a:tc>
+                <a:extLst>
+                  <a:ext uri="{0D108BD9-81ED-4DB2-BD59-A6C34878D82A}">
+                    <a16:rowId xmlns:a16="http://schemas.microsoft.com/office/drawing/2014/main" xmlns="" val="10001"/>
+                  </a:ext>
+                </a:extLst>
+              </a:tr>
+              <a:tr h="370840">
+                <a:tc>
+                  <a:txBody>
+                    <a:bodyPr/>
+                    <a:lstStyle/>
+                    <a:p>
+                      <a:pPr algn="ctr"/>
+                      <a:r>
+                        <a:rPr lang="en-US" dirty="0" smtClean="0"/>
+                        <a:t>2</a:t>
+                      </a:r>
+                      <a:endParaRPr lang="en-US" dirty="0"/>
+                    </a:p>
+                  </a:txBody>
+                  <a:tcPr/>
+                </a:tc>
+                <a:tc>
+                  <a:txBody>
+                    <a:bodyPr/>
+                    <a:lstStyle/>
+                    <a:p>
+                      <a:pPr algn="ctr"/>
+                      <a:r>
+                        <a:rPr lang="en-US" dirty="0" smtClean="0"/>
+                        <a:t>3</a:t>
+                      </a:r>
+                      <a:endParaRPr lang="en-US" dirty="0"/>
+                    </a:p>
+                  </a:txBody>
+                  <a:tcPr/>
+                </a:tc>
+                <a:extLst>
+                  <a:ext uri="{0D108BD9-81ED-4DB2-BD59-A6C34878D82A}">
+                    <a16:rowId xmlns:a16="http://schemas.microsoft.com/office/drawing/2014/main" xmlns="" val="10002"/>
+                  </a:ext>
+                </a:extLst>
+              </a:tr>
+              <a:tr h="370840">
+                <a:tc>
+                  <a:txBody>
+                    <a:bodyPr/>
+                    <a:lstStyle/>
+                    <a:p>
+                      <a:pPr algn="ctr"/>
+                      <a:r>
+                        <a:rPr lang="en-US" dirty="0" smtClean="0"/>
+                        <a:t>3</a:t>
+                      </a:r>
+                      <a:endParaRPr lang="en-US" dirty="0"/>
+                    </a:p>
+                  </a:txBody>
+                  <a:tcPr/>
+                </a:tc>
+                <a:tc>
+                  <a:txBody>
+                    <a:bodyPr/>
+                    <a:lstStyle/>
+                    <a:p>
+                      <a:pPr algn="ctr"/>
+                      <a:r>
+                        <a:rPr lang="en-US" dirty="0" smtClean="0"/>
+                        <a:t>8</a:t>
+                      </a:r>
+                      <a:endParaRPr lang="en-US" dirty="0"/>
+                    </a:p>
+                  </a:txBody>
+                  <a:tcPr/>
+                </a:tc>
+                <a:extLst>
+                  <a:ext uri="{0D108BD9-81ED-4DB2-BD59-A6C34878D82A}">
+                    <a16:rowId xmlns:a16="http://schemas.microsoft.com/office/drawing/2014/main" xmlns="" val="10003"/>
+                  </a:ext>
+                </a:extLst>
+              </a:tr>
+              <a:tr h="370840">
+                <a:tc>
+                  <a:txBody>
+                    <a:bodyPr/>
+                    <a:lstStyle/>
+                    <a:p>
+                      <a:pPr algn="ctr"/>
+                      <a:r>
+                        <a:rPr lang="en-US" dirty="0" smtClean="0"/>
+                        <a:t>4</a:t>
+                      </a:r>
+                      <a:endParaRPr lang="en-US" dirty="0"/>
+                    </a:p>
+                  </a:txBody>
+                  <a:tcPr/>
+                </a:tc>
+                <a:tc>
+                  <a:txBody>
+                    <a:bodyPr/>
+                    <a:lstStyle/>
+                    <a:p>
+                      <a:pPr algn="ctr"/>
+                      <a:r>
+                        <a:rPr lang="en-US" dirty="0" smtClean="0"/>
+                        <a:t>15</a:t>
+                      </a:r>
+                      <a:endParaRPr lang="en-US" dirty="0"/>
+                    </a:p>
+                  </a:txBody>
+                  <a:tcPr/>
+                </a:tc>
+                <a:extLst>
+                  <a:ext uri="{0D108BD9-81ED-4DB2-BD59-A6C34878D82A}">
+                    <a16:rowId xmlns:a16="http://schemas.microsoft.com/office/drawing/2014/main" xmlns="" val="10004"/>
+                  </a:ext>
+                </a:extLst>
+              </a:tr>
+              <a:tr h="370840">
+                <a:tc>
+                  <a:txBody>
+                    <a:bodyPr/>
+                    <a:lstStyle/>
+                    <a:p>
+                      <a:pPr algn="ctr"/>
+                      <a:r>
+                        <a:rPr lang="en-US" dirty="0" smtClean="0"/>
+                        <a:t>5</a:t>
+                      </a:r>
+                      <a:endParaRPr lang="en-US" dirty="0"/>
+                    </a:p>
+                  </a:txBody>
+                  <a:tcPr/>
+                </a:tc>
+                <a:tc>
+                  <a:txBody>
+                    <a:bodyPr/>
+                    <a:lstStyle/>
+                    <a:p>
+                      <a:pPr algn="ctr"/>
+                      <a:r>
+                        <a:rPr lang="en-US" dirty="0" smtClean="0"/>
+                        <a:t>24</a:t>
+                      </a:r>
+                      <a:endParaRPr lang="en-US" dirty="0"/>
+                    </a:p>
+                  </a:txBody>
+                  <a:tcPr/>
+                </a:tc>
+                <a:extLst>
+                  <a:ext uri="{0D108BD9-81ED-4DB2-BD59-A6C34878D82A}">
+                    <a16:rowId xmlns:a16="http://schemas.microsoft.com/office/drawing/2014/main" xmlns="" val="10005"/>
+                  </a:ext>
+                </a:extLst>
+              </a:tr>
+            </a:tbl>
+          </a:graphicData>
+        </a:graphic>
+      </p:graphicFrame>
+      <p:sp>
+        <p:nvSpPr>
+          <p:cNvPr id="6" name="TextBox 5"/>
+          <p:cNvSpPr txBox="1"/>
+          <p:nvPr/>
+        </p:nvSpPr>
+        <p:spPr>
+          <a:xfrm>
+            <a:off x="1219200" y="3048000"/>
+            <a:ext cx="506870" cy="584775"/>
+          </a:xfrm>
+          <a:prstGeom prst="rect">
+            <a:avLst/>
+          </a:prstGeom>
+          <a:noFill/>
+        </p:spPr>
+        <p:txBody>
+          <a:bodyPr wrap="none" rtlCol="0">
+            <a:spAutoFit/>
+          </a:bodyPr>
+          <a:lstStyle/>
+          <a:p>
+            <a:r>
+              <a:rPr lang="en-US" sz="3200" dirty="0" smtClean="0"/>
+              <a:t>a)</a:t>
+            </a:r>
+            <a:endParaRPr lang="en-US" sz="3200" dirty="0"/>
+          </a:p>
+        </p:txBody>
+      </p:sp>
+      <p:sp>
+        <p:nvSpPr>
+          <p:cNvPr id="7" name="TextBox 6"/>
+          <p:cNvSpPr txBox="1"/>
+          <p:nvPr/>
+        </p:nvSpPr>
+        <p:spPr>
+          <a:xfrm>
+            <a:off x="4953000" y="3048000"/>
+            <a:ext cx="526106" cy="584775"/>
+          </a:xfrm>
+          <a:prstGeom prst="rect">
+            <a:avLst/>
+          </a:prstGeom>
+          <a:noFill/>
+        </p:spPr>
+        <p:txBody>
+          <a:bodyPr wrap="none" rtlCol="0">
+            <a:spAutoFit/>
+          </a:bodyPr>
+          <a:lstStyle/>
+          <a:p>
+            <a:r>
+              <a:rPr lang="en-US" sz="3200" dirty="0" smtClean="0"/>
+              <a:t>b)</a:t>
+            </a:r>
+            <a:endParaRPr lang="en-US" sz="3200" dirty="0"/>
+          </a:p>
+        </p:txBody>
+      </p:sp>
+    </p:spTree>
   </p:cSld>
   <p:clrMapOvr>
     <a:masterClrMapping/>
